--- a/MySQL/images/MySQL画图.pptx
+++ b/MySQL/images/MySQL画图.pptx
@@ -20,6 +20,7 @@
     <p:sldId id="272" r:id="rId15"/>
     <p:sldId id="273" r:id="rId16"/>
     <p:sldId id="274" r:id="rId17"/>
+    <p:sldId id="275" r:id="rId18"/>
   </p:sldIdLst>
   <p:sldSz cx="12192000" cy="6858000"/>
   <p:notesSz cx="7103745" cy="10234295"/>
@@ -14540,37 +14541,13 @@
         <p:nvPr/>
       </p:nvGrpSpPr>
       <p:grpSpPr/>
-      <p:pic>
-        <p:nvPicPr>
-          <p:cNvPr id="4" name="图片 3"/>
-          <p:cNvPicPr>
-            <a:picLocks noChangeAspect="1"/>
-          </p:cNvPicPr>
-          <p:nvPr/>
-        </p:nvPicPr>
-        <p:blipFill>
-          <a:blip r:embed="rId1"/>
-          <a:stretch>
-            <a:fillRect/>
-          </a:stretch>
-        </p:blipFill>
-        <p:spPr>
-          <a:xfrm>
-            <a:off x="556260" y="0"/>
-            <a:ext cx="8179435" cy="1498600"/>
-          </a:xfrm>
-          <a:prstGeom prst="rect">
-            <a:avLst/>
-          </a:prstGeom>
-        </p:spPr>
-      </p:pic>
       <p:graphicFrame>
         <p:nvGraphicFramePr>
           <p:cNvPr id="5" name="表格 4"/>
           <p:cNvGraphicFramePr/>
           <p:nvPr>
             <p:custDataLst>
-              <p:tags r:id="rId2"/>
+              <p:tags r:id="rId1"/>
             </p:custDataLst>
           </p:nvPr>
         </p:nvGraphicFramePr>
@@ -14601,25 +14578,32 @@
                       </a:pPr>
                       <a:r>
                         <a:rPr lang="en-US" altLang="zh-CN"/>
-                        <a:t>“</a:t>
-                      </a:r>
-                      <a:r>
-                        <a:rPr lang="zh-CN" altLang="en-US"/>
-                        <a:t>李四</a:t>
-                      </a:r>
-                      <a:r>
-                        <a:rPr lang="en-US" altLang="zh-CN"/>
-                        <a:t>”</a:t>
-                      </a:r>
-                      <a:endParaRPr lang="en-US" altLang="zh-CN"/>
-                    </a:p>
-                    <a:p>
-                      <a:pPr algn="ctr">
-                        <a:buNone/>
-                      </a:pPr>
-                      <a:r>
-                        <a:rPr lang="en-US" altLang="zh-CN"/>
-                        <a:t>“kkk@163.com”</a:t>
+                        <a:t>“lisi@”</a:t>
+                      </a:r>
+                      <a:endParaRPr lang="zh-CN" altLang="en-US"/>
+                    </a:p>
+                  </a:txBody>
+                  <a:tcPr anchor="ctr" anchorCtr="0">
+                    <a:solidFill>
+                      <a:schemeClr val="accent1">
+                        <a:lumMod val="20000"/>
+                        <a:lumOff val="80000"/>
+                      </a:schemeClr>
+                    </a:solidFill>
+                  </a:tcPr>
+                </a:tc>
+                <a:tc>
+                  <a:txBody>
+                    <a:bodyPr/>
+                    <a:p>
+                      <a:pPr algn="ctr">
+                        <a:buNone/>
+                      </a:pPr>
+                      <a:r>
+                        <a:rPr lang="en-US" altLang="zh-CN" sz="1800">
+                          <a:sym typeface="+mn-ea"/>
+                        </a:rPr>
+                        <a:t>“ww@16”</a:t>
                       </a:r>
                       <a:endParaRPr lang="zh-CN" altLang="en-US"/>
                     </a:p>
@@ -14647,10 +14631,10 @@
                         <a:t>“</a:t>
                       </a:r>
                       <a:r>
-                        <a:rPr lang="zh-CN" altLang="en-US" sz="1800">
+                        <a:rPr lang="en-US" altLang="zh-CN" sz="1800">
                           <a:sym typeface="+mn-ea"/>
                         </a:rPr>
-                        <a:t>王五</a:t>
+                        <a:t>zhang</a:t>
                       </a:r>
                       <a:r>
                         <a:rPr lang="en-US" altLang="zh-CN" sz="1800">
@@ -14658,10 +14642,21 @@
                         </a:rPr>
                         <a:t>”</a:t>
                       </a:r>
-                      <a:endParaRPr lang="en-US" altLang="zh-CN" sz="1800">
-                        <a:sym typeface="+mn-ea"/>
-                      </a:endParaRPr>
-                    </a:p>
+                      <a:endParaRPr lang="zh-CN" altLang="en-US"/>
+                    </a:p>
+                  </a:txBody>
+                  <a:tcPr anchor="ctr" anchorCtr="0">
+                    <a:solidFill>
+                      <a:schemeClr val="accent1">
+                        <a:lumMod val="20000"/>
+                        <a:lumOff val="80000"/>
+                      </a:schemeClr>
+                    </a:solidFill>
+                  </a:tcPr>
+                </a:tc>
+                <a:tc>
+                  <a:txBody>
+                    <a:bodyPr/>
                     <a:p>
                       <a:pPr algn="ctr">
                         <a:buNone/>
@@ -14670,7 +14665,7 @@
                         <a:rPr lang="en-US" altLang="zh-CN" sz="1800">
                           <a:sym typeface="+mn-ea"/>
                         </a:rPr>
-                        <a:t>“ggg@163.com”</a:t>
+                        <a:t>“zhang”</a:t>
                       </a:r>
                       <a:endParaRPr lang="zh-CN" altLang="en-US"/>
                     </a:p>
@@ -14695,135 +14690,7 @@
                         <a:rPr lang="en-US" altLang="zh-CN" sz="1800">
                           <a:sym typeface="+mn-ea"/>
                         </a:rPr>
-                        <a:t>“</a:t>
-                      </a:r>
-                      <a:r>
-                        <a:rPr lang="zh-CN" altLang="en-US" sz="1800">
-                          <a:sym typeface="+mn-ea"/>
-                        </a:rPr>
-                        <a:t>张三</a:t>
-                      </a:r>
-                      <a:r>
-                        <a:rPr lang="en-US" altLang="zh-CN" sz="1800">
-                          <a:sym typeface="+mn-ea"/>
-                        </a:rPr>
-                        <a:t>”</a:t>
-                      </a:r>
-                      <a:endParaRPr lang="en-US" altLang="zh-CN" sz="1800">
-                        <a:sym typeface="+mn-ea"/>
-                      </a:endParaRPr>
-                    </a:p>
-                    <a:p>
-                      <a:pPr algn="ctr">
-                        <a:buNone/>
-                      </a:pPr>
-                      <a:r>
-                        <a:rPr lang="en-US" altLang="zh-CN" sz="1800">
-                          <a:sym typeface="+mn-ea"/>
-                        </a:rPr>
-                        <a:t>“ccc@163.com”</a:t>
-                      </a:r>
-                      <a:endParaRPr lang="zh-CN" altLang="en-US"/>
-                    </a:p>
-                  </a:txBody>
-                  <a:tcPr anchor="ctr" anchorCtr="0">
-                    <a:solidFill>
-                      <a:schemeClr val="accent1">
-                        <a:lumMod val="20000"/>
-                        <a:lumOff val="80000"/>
-                      </a:schemeClr>
-                    </a:solidFill>
-                  </a:tcPr>
-                </a:tc>
-                <a:tc>
-                  <a:txBody>
-                    <a:bodyPr/>
-                    <a:p>
-                      <a:pPr algn="ctr">
-                        <a:buNone/>
-                      </a:pPr>
-                      <a:r>
-                        <a:rPr lang="en-US" altLang="zh-CN" sz="1800">
-                          <a:sym typeface="+mn-ea"/>
-                        </a:rPr>
-                        <a:t>“</a:t>
-                      </a:r>
-                      <a:r>
-                        <a:rPr lang="zh-CN" altLang="en-US" sz="1800">
-                          <a:sym typeface="+mn-ea"/>
-                        </a:rPr>
-                        <a:t>张三</a:t>
-                      </a:r>
-                      <a:r>
-                        <a:rPr lang="en-US" altLang="zh-CN" sz="1800">
-                          <a:sym typeface="+mn-ea"/>
-                        </a:rPr>
-                        <a:t>”</a:t>
-                      </a:r>
-                      <a:endParaRPr lang="en-US" altLang="zh-CN" sz="1800">
-                        <a:sym typeface="+mn-ea"/>
-                      </a:endParaRPr>
-                    </a:p>
-                    <a:p>
-                      <a:pPr algn="ctr">
-                        <a:buNone/>
-                      </a:pPr>
-                      <a:r>
-                        <a:rPr lang="en-US" altLang="zh-CN" sz="1800">
-                          <a:sym typeface="+mn-ea"/>
-                        </a:rPr>
-                        <a:t>“ddd@163.com”</a:t>
-                      </a:r>
-                      <a:endParaRPr lang="zh-CN" altLang="en-US"/>
-                    </a:p>
-                  </a:txBody>
-                  <a:tcPr anchor="ctr" anchorCtr="0">
-                    <a:solidFill>
-                      <a:schemeClr val="accent1">
-                        <a:lumMod val="20000"/>
-                        <a:lumOff val="80000"/>
-                      </a:schemeClr>
-                    </a:solidFill>
-                  </a:tcPr>
-                </a:tc>
-                <a:tc>
-                  <a:txBody>
-                    <a:bodyPr/>
-                    <a:p>
-                      <a:pPr algn="ctr">
-                        <a:buNone/>
-                      </a:pPr>
-                      <a:r>
-                        <a:rPr lang="en-US" altLang="zh-CN" sz="1800">
-                          <a:sym typeface="+mn-ea"/>
-                        </a:rPr>
-                        <a:t>“</a:t>
-                      </a:r>
-                      <a:r>
-                        <a:rPr lang="zh-CN" altLang="en-US" sz="1800">
-                          <a:sym typeface="+mn-ea"/>
-                        </a:rPr>
-                        <a:t>张三</a:t>
-                      </a:r>
-                      <a:r>
-                        <a:rPr lang="en-US" altLang="zh-CN" sz="1800">
-                          <a:sym typeface="+mn-ea"/>
-                        </a:rPr>
-                        <a:t>”</a:t>
-                      </a:r>
-                      <a:endParaRPr lang="en-US" altLang="zh-CN" sz="1800">
-                        <a:sym typeface="+mn-ea"/>
-                      </a:endParaRPr>
-                    </a:p>
-                    <a:p>
-                      <a:pPr algn="ctr">
-                        <a:buNone/>
-                      </a:pPr>
-                      <a:r>
-                        <a:rPr lang="en-US" altLang="zh-CN" sz="1800">
-                          <a:sym typeface="+mn-ea"/>
-                        </a:rPr>
-                        <a:t>“eee@163.com”</a:t>
+                        <a:t>“zhang”</a:t>
                       </a:r>
                       <a:endParaRPr lang="zh-CN" altLang="en-US"/>
                     </a:p>
@@ -14967,6 +14834,1469 @@
           </a:graphicData>
         </a:graphic>
       </p:graphicFrame>
+      <p:sp>
+        <p:nvSpPr>
+          <p:cNvPr id="7" name="文本框 6"/>
+          <p:cNvSpPr txBox="1"/>
+          <p:nvPr/>
+        </p:nvSpPr>
+        <p:spPr>
+          <a:xfrm>
+            <a:off x="1828800" y="2679700"/>
+            <a:ext cx="1214755" cy="368300"/>
+          </a:xfrm>
+          <a:prstGeom prst="rect">
+            <a:avLst/>
+          </a:prstGeom>
+          <a:noFill/>
+        </p:spPr>
+        <p:txBody>
+          <a:bodyPr wrap="none" rtlCol="0">
+            <a:spAutoFit/>
+          </a:bodyPr>
+          <a:p>
+            <a:r>
+              <a:rPr lang="en-US" altLang="zh-CN"/>
+              <a:t>( email(5) )</a:t>
+            </a:r>
+            <a:endParaRPr lang="en-US" altLang="zh-CN"/>
+          </a:p>
+        </p:txBody>
+      </p:sp>
+      <p:graphicFrame>
+        <p:nvGraphicFramePr>
+          <p:cNvPr id="9" name="表格 8"/>
+          <p:cNvGraphicFramePr/>
+          <p:nvPr>
+            <p:custDataLst>
+              <p:tags r:id="rId2"/>
+            </p:custDataLst>
+          </p:nvPr>
+        </p:nvGraphicFramePr>
+        <p:xfrm>
+          <a:off x="1844040" y="4658360"/>
+          <a:ext cx="11231880" cy="1005840"/>
+        </p:xfrm>
+        <a:graphic>
+          <a:graphicData uri="http://schemas.openxmlformats.org/drawingml/2006/table">
+            <a:tbl>
+              <a:tblPr firstRow="1" bandRow="1">
+                <a:tableStyleId>{5940675A-B579-460E-94D1-54222C63F5DA}</a:tableStyleId>
+              </a:tblPr>
+              <a:tblGrid>
+                <a:gridCol w="1800225"/>
+                <a:gridCol w="1799775"/>
+                <a:gridCol w="1800000"/>
+                <a:gridCol w="1800000"/>
+                <a:gridCol w="1800000"/>
+              </a:tblGrid>
+              <a:tr h="0">
+                <a:tc>
+                  <a:txBody>
+                    <a:bodyPr/>
+                    <a:p>
+                      <a:pPr algn="ctr">
+                        <a:buNone/>
+                      </a:pPr>
+                      <a:r>
+                        <a:rPr lang="en-US" altLang="zh-CN"/>
+                        <a:t>“lisi@1”</a:t>
+                      </a:r>
+                      <a:endParaRPr lang="zh-CN" altLang="en-US"/>
+                    </a:p>
+                  </a:txBody>
+                  <a:tcPr anchor="ctr" anchorCtr="0">
+                    <a:solidFill>
+                      <a:schemeClr val="accent1">
+                        <a:lumMod val="20000"/>
+                        <a:lumOff val="80000"/>
+                      </a:schemeClr>
+                    </a:solidFill>
+                  </a:tcPr>
+                </a:tc>
+                <a:tc>
+                  <a:txBody>
+                    <a:bodyPr/>
+                    <a:p>
+                      <a:pPr algn="ctr">
+                        <a:buNone/>
+                      </a:pPr>
+                      <a:r>
+                        <a:rPr lang="en-US" altLang="zh-CN" sz="1800">
+                          <a:sym typeface="+mn-ea"/>
+                        </a:rPr>
+                        <a:t>“ww@163”</a:t>
+                      </a:r>
+                      <a:endParaRPr lang="zh-CN" altLang="en-US"/>
+                    </a:p>
+                  </a:txBody>
+                  <a:tcPr anchor="ctr" anchorCtr="0">
+                    <a:solidFill>
+                      <a:schemeClr val="accent1">
+                        <a:lumMod val="20000"/>
+                        <a:lumOff val="80000"/>
+                      </a:schemeClr>
+                    </a:solidFill>
+                  </a:tcPr>
+                </a:tc>
+                <a:tc>
+                  <a:txBody>
+                    <a:bodyPr/>
+                    <a:p>
+                      <a:pPr algn="ctr">
+                        <a:buNone/>
+                      </a:pPr>
+                      <a:r>
+                        <a:rPr lang="en-US" altLang="zh-CN" sz="1800">
+                          <a:sym typeface="+mn-ea"/>
+                        </a:rPr>
+                        <a:t>“zhanga”</a:t>
+                      </a:r>
+                      <a:endParaRPr lang="zh-CN" altLang="en-US"/>
+                    </a:p>
+                  </a:txBody>
+                  <a:tcPr anchor="ctr" anchorCtr="0">
+                    <a:solidFill>
+                      <a:schemeClr val="accent1">
+                        <a:lumMod val="20000"/>
+                        <a:lumOff val="80000"/>
+                      </a:schemeClr>
+                    </a:solidFill>
+                  </a:tcPr>
+                </a:tc>
+                <a:tc>
+                  <a:txBody>
+                    <a:bodyPr/>
+                    <a:p>
+                      <a:pPr algn="ctr">
+                        <a:buNone/>
+                      </a:pPr>
+                      <a:r>
+                        <a:rPr lang="en-US" altLang="zh-CN" sz="1800">
+                          <a:sym typeface="+mn-ea"/>
+                        </a:rPr>
+                        <a:t>“zhangb”</a:t>
+                      </a:r>
+                      <a:endParaRPr lang="zh-CN" altLang="en-US"/>
+                    </a:p>
+                  </a:txBody>
+                  <a:tcPr anchor="ctr" anchorCtr="0">
+                    <a:solidFill>
+                      <a:schemeClr val="accent1">
+                        <a:lumMod val="20000"/>
+                        <a:lumOff val="80000"/>
+                      </a:schemeClr>
+                    </a:solidFill>
+                  </a:tcPr>
+                </a:tc>
+                <a:tc>
+                  <a:txBody>
+                    <a:bodyPr/>
+                    <a:p>
+                      <a:pPr algn="ctr">
+                        <a:buNone/>
+                      </a:pPr>
+                      <a:r>
+                        <a:rPr lang="en-US" altLang="zh-CN" sz="1800">
+                          <a:sym typeface="+mn-ea"/>
+                        </a:rPr>
+                        <a:t>“zhangc”</a:t>
+                      </a:r>
+                      <a:endParaRPr lang="zh-CN" altLang="en-US"/>
+                    </a:p>
+                  </a:txBody>
+                  <a:tcPr anchor="ctr" anchorCtr="0">
+                    <a:solidFill>
+                      <a:schemeClr val="accent1">
+                        <a:lumMod val="20000"/>
+                        <a:lumOff val="80000"/>
+                      </a:schemeClr>
+                    </a:solidFill>
+                  </a:tcPr>
+                </a:tc>
+              </a:tr>
+              <a:tr h="0">
+                <a:tc>
+                  <a:txBody>
+                    <a:bodyPr/>
+                    <a:p>
+                      <a:pPr algn="ctr">
+                        <a:buNone/>
+                      </a:pPr>
+                      <a:r>
+                        <a:rPr lang="en-US" altLang="zh-CN"/>
+                        <a:t>ID1</a:t>
+                      </a:r>
+                      <a:endParaRPr lang="en-US" altLang="zh-CN"/>
+                    </a:p>
+                  </a:txBody>
+                  <a:tcPr anchor="ctr" anchorCtr="0">
+                    <a:solidFill>
+                      <a:schemeClr val="accent1">
+                        <a:lumMod val="60000"/>
+                        <a:lumOff val="40000"/>
+                      </a:schemeClr>
+                    </a:solidFill>
+                  </a:tcPr>
+                </a:tc>
+                <a:tc>
+                  <a:txBody>
+                    <a:bodyPr/>
+                    <a:p>
+                      <a:pPr algn="ctr">
+                        <a:buNone/>
+                      </a:pPr>
+                      <a:r>
+                        <a:rPr lang="en-US" altLang="zh-CN" sz="1800">
+                          <a:sym typeface="+mn-ea"/>
+                        </a:rPr>
+                        <a:t>ID2</a:t>
+                      </a:r>
+                      <a:endParaRPr lang="zh-CN" altLang="en-US"/>
+                    </a:p>
+                  </a:txBody>
+                  <a:tcPr anchor="ctr" anchorCtr="0">
+                    <a:solidFill>
+                      <a:schemeClr val="accent1">
+                        <a:lumMod val="60000"/>
+                        <a:lumOff val="40000"/>
+                      </a:schemeClr>
+                    </a:solidFill>
+                  </a:tcPr>
+                </a:tc>
+                <a:tc>
+                  <a:txBody>
+                    <a:bodyPr/>
+                    <a:p>
+                      <a:pPr algn="ctr">
+                        <a:buNone/>
+                      </a:pPr>
+                      <a:r>
+                        <a:rPr lang="en-US" altLang="zh-CN" sz="1800">
+                          <a:sym typeface="+mn-ea"/>
+                        </a:rPr>
+                        <a:t>ID3</a:t>
+                      </a:r>
+                      <a:endParaRPr lang="zh-CN" altLang="en-US"/>
+                    </a:p>
+                  </a:txBody>
+                  <a:tcPr anchor="ctr" anchorCtr="0">
+                    <a:solidFill>
+                      <a:schemeClr val="accent1">
+                        <a:lumMod val="60000"/>
+                        <a:lumOff val="40000"/>
+                      </a:schemeClr>
+                    </a:solidFill>
+                  </a:tcPr>
+                </a:tc>
+                <a:tc>
+                  <a:txBody>
+                    <a:bodyPr/>
+                    <a:p>
+                      <a:pPr algn="ctr">
+                        <a:buNone/>
+                      </a:pPr>
+                      <a:r>
+                        <a:rPr lang="en-US" altLang="zh-CN" sz="1800">
+                          <a:sym typeface="+mn-ea"/>
+                        </a:rPr>
+                        <a:t>ID4</a:t>
+                      </a:r>
+                      <a:endParaRPr lang="zh-CN" altLang="en-US"/>
+                    </a:p>
+                  </a:txBody>
+                  <a:tcPr anchor="ctr" anchorCtr="0">
+                    <a:solidFill>
+                      <a:schemeClr val="accent1">
+                        <a:lumMod val="60000"/>
+                        <a:lumOff val="40000"/>
+                      </a:schemeClr>
+                    </a:solidFill>
+                  </a:tcPr>
+                </a:tc>
+                <a:tc>
+                  <a:txBody>
+                    <a:bodyPr/>
+                    <a:p>
+                      <a:pPr algn="ctr">
+                        <a:buNone/>
+                      </a:pPr>
+                      <a:r>
+                        <a:rPr lang="en-US" altLang="zh-CN" sz="1800">
+                          <a:sym typeface="+mn-ea"/>
+                        </a:rPr>
+                        <a:t>ID5</a:t>
+                      </a:r>
+                      <a:endParaRPr lang="zh-CN" altLang="en-US"/>
+                    </a:p>
+                  </a:txBody>
+                  <a:tcPr anchor="ctr" anchorCtr="0">
+                    <a:solidFill>
+                      <a:schemeClr val="accent1">
+                        <a:lumMod val="60000"/>
+                        <a:lumOff val="40000"/>
+                      </a:schemeClr>
+                    </a:solidFill>
+                  </a:tcPr>
+                </a:tc>
+              </a:tr>
+            </a:tbl>
+          </a:graphicData>
+        </a:graphic>
+      </p:graphicFrame>
+      <p:sp>
+        <p:nvSpPr>
+          <p:cNvPr id="10" name="文本框 9"/>
+          <p:cNvSpPr txBox="1"/>
+          <p:nvPr/>
+        </p:nvSpPr>
+        <p:spPr>
+          <a:xfrm>
+            <a:off x="1844040" y="4290060"/>
+            <a:ext cx="1214755" cy="368300"/>
+          </a:xfrm>
+          <a:prstGeom prst="rect">
+            <a:avLst/>
+          </a:prstGeom>
+          <a:noFill/>
+        </p:spPr>
+        <p:txBody>
+          <a:bodyPr wrap="none" rtlCol="0">
+            <a:spAutoFit/>
+          </a:bodyPr>
+          <a:p>
+            <a:r>
+              <a:rPr lang="en-US" altLang="zh-CN"/>
+              <a:t>( email(6) )</a:t>
+            </a:r>
+            <a:endParaRPr lang="en-US" altLang="zh-CN"/>
+          </a:p>
+        </p:txBody>
+      </p:sp>
+    </p:spTree>
+  </p:cSld>
+  <p:clrMapOvr>
+    <a:masterClrMapping/>
+  </p:clrMapOvr>
+</p:sld>
+</file>
+
+<file path=ppt/slides/slide16.xml><?xml version="1.0" encoding="utf-8"?>
+<p:sld xmlns:a="http://schemas.openxmlformats.org/drawingml/2006/main" xmlns:r="http://schemas.openxmlformats.org/officeDocument/2006/relationships" xmlns:p="http://schemas.openxmlformats.org/presentationml/2006/main">
+  <p:cSld>
+    <p:spTree>
+      <p:nvGrpSpPr>
+        <p:cNvPr id="1" name=""/>
+        <p:cNvGrpSpPr/>
+        <p:nvPr/>
+      </p:nvGrpSpPr>
+      <p:grpSpPr/>
+      <p:pic>
+        <p:nvPicPr>
+          <p:cNvPr id="2" name="图片 1"/>
+          <p:cNvPicPr>
+            <a:picLocks noChangeAspect="1"/>
+          </p:cNvPicPr>
+          <p:nvPr/>
+        </p:nvPicPr>
+        <p:blipFill>
+          <a:blip r:embed="rId1"/>
+          <a:stretch>
+            <a:fillRect/>
+          </a:stretch>
+        </p:blipFill>
+        <p:spPr>
+          <a:xfrm>
+            <a:off x="0" y="0"/>
+            <a:ext cx="3602990" cy="1591945"/>
+          </a:xfrm>
+          <a:prstGeom prst="rect">
+            <a:avLst/>
+          </a:prstGeom>
+        </p:spPr>
+      </p:pic>
+      <p:graphicFrame>
+        <p:nvGraphicFramePr>
+          <p:cNvPr id="3" name="表格 2"/>
+          <p:cNvGraphicFramePr/>
+          <p:nvPr>
+            <p:custDataLst>
+              <p:tags r:id="rId2"/>
+            </p:custDataLst>
+          </p:nvPr>
+        </p:nvGraphicFramePr>
+        <p:xfrm>
+          <a:off x="1828800" y="2476500"/>
+          <a:ext cx="8534400" cy="1905000"/>
+        </p:xfrm>
+        <a:graphic>
+          <a:graphicData uri="http://schemas.openxmlformats.org/drawingml/2006/table">
+            <a:tbl>
+              <a:tblPr firstRow="1" bandRow="1">
+                <a:tableStyleId>{5940675A-B579-460E-94D1-54222C63F5DA}</a:tableStyleId>
+              </a:tblPr>
+              <a:tblGrid>
+                <a:gridCol w="828000"/>
+                <a:gridCol w="828000"/>
+                <a:gridCol w="828000"/>
+              </a:tblGrid>
+              <a:tr h="381000">
+                <a:tc>
+                  <a:txBody>
+                    <a:bodyPr/>
+                    <a:p>
+                      <a:pPr algn="ctr">
+                        <a:buNone/>
+                      </a:pPr>
+                      <a:r>
+                        <a:rPr lang="en-US" altLang="zh-CN"/>
+                        <a:t>name</a:t>
+                      </a:r>
+                      <a:endParaRPr lang="en-US" altLang="zh-CN"/>
+                    </a:p>
+                  </a:txBody>
+                  <a:tcPr anchor="ctr" anchorCtr="0">
+                    <a:solidFill>
+                      <a:schemeClr val="accent1">
+                        <a:lumMod val="60000"/>
+                        <a:lumOff val="40000"/>
+                      </a:schemeClr>
+                    </a:solidFill>
+                  </a:tcPr>
+                </a:tc>
+                <a:tc>
+                  <a:txBody>
+                    <a:bodyPr/>
+                    <a:p>
+                      <a:pPr algn="ctr">
+                        <a:buNone/>
+                      </a:pPr>
+                      <a:r>
+                        <a:rPr lang="en-US" altLang="zh-CN"/>
+                        <a:t>age</a:t>
+                      </a:r>
+                      <a:endParaRPr lang="en-US" altLang="zh-CN"/>
+                    </a:p>
+                  </a:txBody>
+                  <a:tcPr anchor="ctr" anchorCtr="0">
+                    <a:solidFill>
+                      <a:schemeClr val="accent1">
+                        <a:lumMod val="60000"/>
+                        <a:lumOff val="40000"/>
+                      </a:schemeClr>
+                    </a:solidFill>
+                  </a:tcPr>
+                </a:tc>
+                <a:tc>
+                  <a:txBody>
+                    <a:bodyPr/>
+                    <a:p>
+                      <a:pPr algn="ctr">
+                        <a:buNone/>
+                      </a:pPr>
+                      <a:r>
+                        <a:rPr lang="en-US" altLang="zh-CN"/>
+                        <a:t>id</a:t>
+                      </a:r>
+                      <a:endParaRPr lang="en-US" altLang="zh-CN"/>
+                    </a:p>
+                  </a:txBody>
+                  <a:tcPr anchor="ctr" anchorCtr="0">
+                    <a:solidFill>
+                      <a:schemeClr val="accent1">
+                        <a:lumMod val="60000"/>
+                        <a:lumOff val="40000"/>
+                      </a:schemeClr>
+                    </a:solidFill>
+                  </a:tcPr>
+                </a:tc>
+              </a:tr>
+              <a:tr h="381000">
+                <a:tc>
+                  <a:txBody>
+                    <a:bodyPr/>
+                    <a:p>
+                      <a:pPr algn="ctr">
+                        <a:buNone/>
+                      </a:pPr>
+                      <a:r>
+                        <a:rPr lang="zh-CN" altLang="en-US"/>
+                        <a:t>张六</a:t>
+                      </a:r>
+                      <a:endParaRPr lang="zh-CN" altLang="en-US"/>
+                    </a:p>
+                  </a:txBody>
+                  <a:tcPr anchor="ctr" anchorCtr="0">
+                    <a:solidFill>
+                      <a:schemeClr val="accent1">
+                        <a:lumMod val="20000"/>
+                        <a:lumOff val="80000"/>
+                      </a:schemeClr>
+                    </a:solidFill>
+                  </a:tcPr>
+                </a:tc>
+                <a:tc>
+                  <a:txBody>
+                    <a:bodyPr/>
+                    <a:p>
+                      <a:pPr algn="ctr">
+                        <a:buNone/>
+                      </a:pPr>
+                      <a:r>
+                        <a:rPr lang="en-US" altLang="zh-CN"/>
+                        <a:t>30</a:t>
+                      </a:r>
+                      <a:endParaRPr lang="en-US" altLang="zh-CN"/>
+                    </a:p>
+                  </a:txBody>
+                  <a:tcPr anchor="ctr" anchorCtr="0">
+                    <a:solidFill>
+                      <a:schemeClr val="accent1">
+                        <a:lumMod val="20000"/>
+                        <a:lumOff val="80000"/>
+                      </a:schemeClr>
+                    </a:solidFill>
+                  </a:tcPr>
+                </a:tc>
+                <a:tc>
+                  <a:txBody>
+                    <a:bodyPr/>
+                    <a:p>
+                      <a:pPr algn="ctr">
+                        <a:buNone/>
+                      </a:pPr>
+                      <a:r>
+                        <a:rPr lang="en-US" altLang="zh-CN"/>
+                        <a:t>id3</a:t>
+                      </a:r>
+                      <a:endParaRPr lang="en-US" altLang="zh-CN"/>
+                    </a:p>
+                  </a:txBody>
+                  <a:tcPr anchor="ctr" anchorCtr="0">
+                    <a:solidFill>
+                      <a:schemeClr val="accent1">
+                        <a:lumMod val="20000"/>
+                        <a:lumOff val="80000"/>
+                      </a:schemeClr>
+                    </a:solidFill>
+                  </a:tcPr>
+                </a:tc>
+              </a:tr>
+              <a:tr h="381000">
+                <a:tc>
+                  <a:txBody>
+                    <a:bodyPr/>
+                    <a:p>
+                      <a:pPr algn="ctr">
+                        <a:buNone/>
+                      </a:pPr>
+                      <a:r>
+                        <a:rPr lang="zh-CN" altLang="en-US"/>
+                        <a:t>张三</a:t>
+                      </a:r>
+                      <a:endParaRPr lang="zh-CN" altLang="en-US"/>
+                    </a:p>
+                  </a:txBody>
+                  <a:tcPr anchor="ctr" anchorCtr="0">
+                    <a:solidFill>
+                      <a:schemeClr val="accent1">
+                        <a:lumMod val="20000"/>
+                        <a:lumOff val="80000"/>
+                      </a:schemeClr>
+                    </a:solidFill>
+                  </a:tcPr>
+                </a:tc>
+                <a:tc>
+                  <a:txBody>
+                    <a:bodyPr/>
+                    <a:p>
+                      <a:pPr algn="ctr">
+                        <a:buNone/>
+                      </a:pPr>
+                      <a:r>
+                        <a:rPr lang="en-US" altLang="zh-CN"/>
+                        <a:t>10</a:t>
+                      </a:r>
+                      <a:endParaRPr lang="en-US" altLang="zh-CN"/>
+                    </a:p>
+                  </a:txBody>
+                  <a:tcPr anchor="ctr" anchorCtr="0">
+                    <a:solidFill>
+                      <a:schemeClr val="accent1">
+                        <a:lumMod val="20000"/>
+                        <a:lumOff val="80000"/>
+                      </a:schemeClr>
+                    </a:solidFill>
+                  </a:tcPr>
+                </a:tc>
+                <a:tc>
+                  <a:txBody>
+                    <a:bodyPr/>
+                    <a:p>
+                      <a:pPr algn="ctr">
+                        <a:buNone/>
+                      </a:pPr>
+                      <a:r>
+                        <a:rPr lang="en-US" altLang="zh-CN"/>
+                        <a:t>id4</a:t>
+                      </a:r>
+                      <a:endParaRPr lang="en-US" altLang="zh-CN"/>
+                    </a:p>
+                  </a:txBody>
+                  <a:tcPr anchor="ctr" anchorCtr="0">
+                    <a:solidFill>
+                      <a:schemeClr val="accent1">
+                        <a:lumMod val="20000"/>
+                        <a:lumOff val="80000"/>
+                      </a:schemeClr>
+                    </a:solidFill>
+                  </a:tcPr>
+                </a:tc>
+              </a:tr>
+              <a:tr h="381000">
+                <a:tc>
+                  <a:txBody>
+                    <a:bodyPr/>
+                    <a:p>
+                      <a:pPr algn="ctr">
+                        <a:buNone/>
+                      </a:pPr>
+                      <a:r>
+                        <a:rPr lang="zh-CN" altLang="en-US" sz="1800">
+                          <a:sym typeface="+mn-ea"/>
+                        </a:rPr>
+                        <a:t>张三</a:t>
+                      </a:r>
+                      <a:endParaRPr lang="zh-CN" altLang="en-US"/>
+                    </a:p>
+                  </a:txBody>
+                  <a:tcPr anchor="ctr" anchorCtr="0">
+                    <a:solidFill>
+                      <a:schemeClr val="accent1">
+                        <a:lumMod val="20000"/>
+                        <a:lumOff val="80000"/>
+                      </a:schemeClr>
+                    </a:solidFill>
+                  </a:tcPr>
+                </a:tc>
+                <a:tc>
+                  <a:txBody>
+                    <a:bodyPr/>
+                    <a:p>
+                      <a:pPr algn="ctr">
+                        <a:buNone/>
+                      </a:pPr>
+                      <a:r>
+                        <a:rPr lang="en-US" altLang="zh-CN"/>
+                        <a:t>10</a:t>
+                      </a:r>
+                      <a:endParaRPr lang="en-US" altLang="zh-CN"/>
+                    </a:p>
+                  </a:txBody>
+                  <a:tcPr anchor="ctr" anchorCtr="0">
+                    <a:solidFill>
+                      <a:schemeClr val="accent1">
+                        <a:lumMod val="20000"/>
+                        <a:lumOff val="80000"/>
+                      </a:schemeClr>
+                    </a:solidFill>
+                  </a:tcPr>
+                </a:tc>
+                <a:tc>
+                  <a:txBody>
+                    <a:bodyPr/>
+                    <a:p>
+                      <a:pPr algn="ctr">
+                        <a:buNone/>
+                      </a:pPr>
+                      <a:r>
+                        <a:rPr lang="en-US" altLang="zh-CN"/>
+                        <a:t>id5</a:t>
+                      </a:r>
+                      <a:endParaRPr lang="en-US" altLang="zh-CN"/>
+                    </a:p>
+                  </a:txBody>
+                  <a:tcPr anchor="ctr" anchorCtr="0">
+                    <a:solidFill>
+                      <a:schemeClr val="accent1">
+                        <a:lumMod val="20000"/>
+                        <a:lumOff val="80000"/>
+                      </a:schemeClr>
+                    </a:solidFill>
+                  </a:tcPr>
+                </a:tc>
+              </a:tr>
+              <a:tr h="381000">
+                <a:tc>
+                  <a:txBody>
+                    <a:bodyPr/>
+                    <a:p>
+                      <a:pPr algn="ctr">
+                        <a:buNone/>
+                      </a:pPr>
+                      <a:r>
+                        <a:rPr lang="zh-CN" altLang="en-US" sz="1800">
+                          <a:sym typeface="+mn-ea"/>
+                        </a:rPr>
+                        <a:t>张三</a:t>
+                      </a:r>
+                      <a:endParaRPr lang="zh-CN" altLang="en-US"/>
+                    </a:p>
+                  </a:txBody>
+                  <a:tcPr anchor="ctr" anchorCtr="0">
+                    <a:solidFill>
+                      <a:schemeClr val="accent1">
+                        <a:lumMod val="20000"/>
+                        <a:lumOff val="80000"/>
+                      </a:schemeClr>
+                    </a:solidFill>
+                  </a:tcPr>
+                </a:tc>
+                <a:tc>
+                  <a:txBody>
+                    <a:bodyPr/>
+                    <a:p>
+                      <a:pPr algn="ctr">
+                        <a:buNone/>
+                      </a:pPr>
+                      <a:r>
+                        <a:rPr lang="en-US" altLang="zh-CN"/>
+                        <a:t>20</a:t>
+                      </a:r>
+                      <a:endParaRPr lang="en-US" altLang="zh-CN"/>
+                    </a:p>
+                  </a:txBody>
+                  <a:tcPr anchor="ctr" anchorCtr="0">
+                    <a:solidFill>
+                      <a:schemeClr val="accent1">
+                        <a:lumMod val="20000"/>
+                        <a:lumOff val="80000"/>
+                      </a:schemeClr>
+                    </a:solidFill>
+                  </a:tcPr>
+                </a:tc>
+                <a:tc>
+                  <a:txBody>
+                    <a:bodyPr/>
+                    <a:p>
+                      <a:pPr algn="ctr">
+                        <a:buNone/>
+                      </a:pPr>
+                      <a:r>
+                        <a:rPr lang="en-US" altLang="zh-CN"/>
+                        <a:t>id6</a:t>
+                      </a:r>
+                      <a:endParaRPr lang="en-US" altLang="zh-CN"/>
+                    </a:p>
+                  </a:txBody>
+                  <a:tcPr anchor="ctr" anchorCtr="0">
+                    <a:solidFill>
+                      <a:schemeClr val="accent1">
+                        <a:lumMod val="20000"/>
+                        <a:lumOff val="80000"/>
+                      </a:schemeClr>
+                    </a:solidFill>
+                  </a:tcPr>
+                </a:tc>
+              </a:tr>
+            </a:tbl>
+          </a:graphicData>
+        </a:graphic>
+      </p:graphicFrame>
+      <p:sp>
+        <p:nvSpPr>
+          <p:cNvPr id="4" name="文本框 3"/>
+          <p:cNvSpPr txBox="1"/>
+          <p:nvPr/>
+        </p:nvSpPr>
+        <p:spPr>
+          <a:xfrm>
+            <a:off x="2223135" y="2108200"/>
+            <a:ext cx="1371600" cy="368300"/>
+          </a:xfrm>
+          <a:prstGeom prst="rect">
+            <a:avLst/>
+          </a:prstGeom>
+          <a:noFill/>
+        </p:spPr>
+        <p:txBody>
+          <a:bodyPr wrap="none" rtlCol="0">
+            <a:spAutoFit/>
+          </a:bodyPr>
+          <a:p>
+            <a:r>
+              <a:rPr lang="en-US" altLang="zh-CN"/>
+              <a:t>(name, age)</a:t>
+            </a:r>
+            <a:endParaRPr lang="en-US" altLang="zh-CN"/>
+          </a:p>
+        </p:txBody>
+      </p:sp>
+      <p:graphicFrame>
+        <p:nvGraphicFramePr>
+          <p:cNvPr id="5" name="表格 4"/>
+          <p:cNvGraphicFramePr/>
+          <p:nvPr>
+            <p:custDataLst>
+              <p:tags r:id="rId3"/>
+            </p:custDataLst>
+          </p:nvPr>
+        </p:nvGraphicFramePr>
+        <p:xfrm>
+          <a:off x="5188585" y="2476500"/>
+          <a:ext cx="4140200" cy="1905000"/>
+        </p:xfrm>
+        <a:graphic>
+          <a:graphicData uri="http://schemas.openxmlformats.org/drawingml/2006/table">
+            <a:tbl>
+              <a:tblPr firstRow="1" bandRow="1">
+                <a:tableStyleId>{5940675A-B579-460E-94D1-54222C63F5DA}</a:tableStyleId>
+              </a:tblPr>
+              <a:tblGrid>
+                <a:gridCol w="828000"/>
+                <a:gridCol w="828000"/>
+                <a:gridCol w="828000"/>
+                <a:gridCol w="828040"/>
+                <a:gridCol w="827960"/>
+              </a:tblGrid>
+              <a:tr h="381000">
+                <a:tc>
+                  <a:txBody>
+                    <a:bodyPr/>
+                    <a:p>
+                      <a:pPr algn="ctr">
+                        <a:buNone/>
+                      </a:pPr>
+                      <a:r>
+                        <a:rPr lang="en-US" altLang="zh-CN"/>
+                        <a:t>id</a:t>
+                      </a:r>
+                      <a:endParaRPr lang="en-US" altLang="zh-CN"/>
+                    </a:p>
+                  </a:txBody>
+                  <a:tcPr anchor="ctr" anchorCtr="0">
+                    <a:solidFill>
+                      <a:schemeClr val="accent1">
+                        <a:lumMod val="60000"/>
+                        <a:lumOff val="40000"/>
+                      </a:schemeClr>
+                    </a:solidFill>
+                  </a:tcPr>
+                </a:tc>
+                <a:tc>
+                  <a:txBody>
+                    <a:bodyPr/>
+                    <a:p>
+                      <a:pPr algn="ctr">
+                        <a:buNone/>
+                      </a:pPr>
+                      <a:r>
+                        <a:rPr lang="en-US" altLang="zh-CN"/>
+                        <a:t>name</a:t>
+                      </a:r>
+                      <a:endParaRPr lang="en-US" altLang="zh-CN"/>
+                    </a:p>
+                  </a:txBody>
+                  <a:tcPr anchor="ctr" anchorCtr="0">
+                    <a:solidFill>
+                      <a:schemeClr val="accent1">
+                        <a:lumMod val="60000"/>
+                        <a:lumOff val="40000"/>
+                      </a:schemeClr>
+                    </a:solidFill>
+                  </a:tcPr>
+                </a:tc>
+                <a:tc>
+                  <a:txBody>
+                    <a:bodyPr/>
+                    <a:p>
+                      <a:pPr algn="ctr">
+                        <a:buNone/>
+                      </a:pPr>
+                      <a:r>
+                        <a:rPr lang="en-US" altLang="zh-CN"/>
+                        <a:t>age</a:t>
+                      </a:r>
+                      <a:endParaRPr lang="en-US" altLang="zh-CN"/>
+                    </a:p>
+                  </a:txBody>
+                  <a:tcPr anchor="ctr" anchorCtr="0">
+                    <a:solidFill>
+                      <a:schemeClr val="accent1">
+                        <a:lumMod val="60000"/>
+                        <a:lumOff val="40000"/>
+                      </a:schemeClr>
+                    </a:solidFill>
+                  </a:tcPr>
+                </a:tc>
+                <a:tc>
+                  <a:txBody>
+                    <a:bodyPr/>
+                    <a:p>
+                      <a:pPr algn="ctr">
+                        <a:buNone/>
+                      </a:pPr>
+                      <a:r>
+                        <a:rPr lang="en-US" altLang="zh-CN"/>
+                        <a:t>email</a:t>
+                      </a:r>
+                      <a:endParaRPr lang="en-US" altLang="zh-CN"/>
+                    </a:p>
+                  </a:txBody>
+                  <a:tcPr anchor="ctr" anchorCtr="0">
+                    <a:solidFill>
+                      <a:schemeClr val="accent1">
+                        <a:lumMod val="60000"/>
+                        <a:lumOff val="40000"/>
+                      </a:schemeClr>
+                    </a:solidFill>
+                  </a:tcPr>
+                </a:tc>
+                <a:tc>
+                  <a:txBody>
+                    <a:bodyPr/>
+                    <a:p>
+                      <a:pPr algn="ctr">
+                        <a:buNone/>
+                      </a:pPr>
+                      <a:r>
+                        <a:rPr lang="zh-CN" altLang="en-US"/>
+                        <a:t>……</a:t>
+                      </a:r>
+                      <a:endParaRPr lang="zh-CN" altLang="en-US"/>
+                    </a:p>
+                  </a:txBody>
+                  <a:tcPr anchor="ctr" anchorCtr="0">
+                    <a:solidFill>
+                      <a:schemeClr val="accent1">
+                        <a:lumMod val="60000"/>
+                        <a:lumOff val="40000"/>
+                      </a:schemeClr>
+                    </a:solidFill>
+                  </a:tcPr>
+                </a:tc>
+              </a:tr>
+              <a:tr h="381000">
+                <a:tc>
+                  <a:txBody>
+                    <a:bodyPr/>
+                    <a:p>
+                      <a:pPr algn="ctr">
+                        <a:buNone/>
+                      </a:pPr>
+                      <a:r>
+                        <a:rPr lang="en-US" altLang="zh-CN"/>
+                        <a:t>id4</a:t>
+                      </a:r>
+                      <a:endParaRPr lang="en-US" altLang="zh-CN"/>
+                    </a:p>
+                  </a:txBody>
+                  <a:tcPr anchor="ctr" anchorCtr="0">
+                    <a:solidFill>
+                      <a:schemeClr val="accent1">
+                        <a:lumMod val="20000"/>
+                        <a:lumOff val="80000"/>
+                      </a:schemeClr>
+                    </a:solidFill>
+                  </a:tcPr>
+                </a:tc>
+                <a:tc>
+                  <a:txBody>
+                    <a:bodyPr/>
+                    <a:p>
+                      <a:pPr algn="ctr">
+                        <a:buNone/>
+                      </a:pPr>
+                      <a:r>
+                        <a:rPr lang="zh-CN" altLang="en-US"/>
+                        <a:t>张三</a:t>
+                      </a:r>
+                      <a:endParaRPr lang="zh-CN" altLang="en-US"/>
+                    </a:p>
+                  </a:txBody>
+                  <a:tcPr anchor="ctr" anchorCtr="0">
+                    <a:solidFill>
+                      <a:schemeClr val="accent1">
+                        <a:lumMod val="20000"/>
+                        <a:lumOff val="80000"/>
+                      </a:schemeClr>
+                    </a:solidFill>
+                  </a:tcPr>
+                </a:tc>
+                <a:tc>
+                  <a:txBody>
+                    <a:bodyPr/>
+                    <a:p>
+                      <a:pPr algn="ctr">
+                        <a:buNone/>
+                      </a:pPr>
+                      <a:r>
+                        <a:rPr lang="en-US" altLang="zh-CN"/>
+                        <a:t>10</a:t>
+                      </a:r>
+                      <a:endParaRPr lang="en-US" altLang="zh-CN"/>
+                    </a:p>
+                  </a:txBody>
+                  <a:tcPr anchor="ctr" anchorCtr="0">
+                    <a:solidFill>
+                      <a:schemeClr val="accent1">
+                        <a:lumMod val="20000"/>
+                        <a:lumOff val="80000"/>
+                      </a:schemeClr>
+                    </a:solidFill>
+                  </a:tcPr>
+                </a:tc>
+                <a:tc>
+                  <a:txBody>
+                    <a:bodyPr/>
+                    <a:p>
+                      <a:pPr algn="ctr">
+                        <a:buNone/>
+                      </a:pPr>
+                      <a:r>
+                        <a:rPr lang="zh-CN" altLang="en-US" sz="1800">
+                          <a:sym typeface="+mn-ea"/>
+                        </a:rPr>
+                        <a:t>……</a:t>
+                      </a:r>
+                      <a:endParaRPr lang="zh-CN" altLang="en-US"/>
+                    </a:p>
+                  </a:txBody>
+                  <a:tcPr anchor="ctr" anchorCtr="0">
+                    <a:solidFill>
+                      <a:schemeClr val="accent1">
+                        <a:lumMod val="20000"/>
+                        <a:lumOff val="80000"/>
+                      </a:schemeClr>
+                    </a:solidFill>
+                  </a:tcPr>
+                </a:tc>
+                <a:tc>
+                  <a:txBody>
+                    <a:bodyPr/>
+                    <a:p>
+                      <a:pPr algn="ctr">
+                        <a:buNone/>
+                      </a:pPr>
+                      <a:r>
+                        <a:rPr lang="zh-CN" altLang="en-US" sz="1800">
+                          <a:sym typeface="+mn-ea"/>
+                        </a:rPr>
+                        <a:t>……</a:t>
+                      </a:r>
+                      <a:endParaRPr lang="zh-CN" altLang="en-US"/>
+                    </a:p>
+                  </a:txBody>
+                  <a:tcPr anchor="ctr" anchorCtr="0">
+                    <a:solidFill>
+                      <a:schemeClr val="accent1">
+                        <a:lumMod val="20000"/>
+                        <a:lumOff val="80000"/>
+                      </a:schemeClr>
+                    </a:solidFill>
+                  </a:tcPr>
+                </a:tc>
+              </a:tr>
+              <a:tr h="381000">
+                <a:tc>
+                  <a:txBody>
+                    <a:bodyPr/>
+                    <a:p>
+                      <a:pPr algn="ctr">
+                        <a:buNone/>
+                      </a:pPr>
+                      <a:r>
+                        <a:rPr lang="en-US" altLang="zh-CN"/>
+                        <a:t>id5</a:t>
+                      </a:r>
+                      <a:endParaRPr lang="en-US" altLang="zh-CN"/>
+                    </a:p>
+                  </a:txBody>
+                  <a:tcPr anchor="ctr" anchorCtr="0">
+                    <a:solidFill>
+                      <a:schemeClr val="accent1">
+                        <a:lumMod val="20000"/>
+                        <a:lumOff val="80000"/>
+                      </a:schemeClr>
+                    </a:solidFill>
+                  </a:tcPr>
+                </a:tc>
+                <a:tc>
+                  <a:txBody>
+                    <a:bodyPr/>
+                    <a:p>
+                      <a:pPr algn="ctr">
+                        <a:buNone/>
+                      </a:pPr>
+                      <a:r>
+                        <a:rPr lang="zh-CN" altLang="en-US" sz="1800">
+                          <a:sym typeface="+mn-ea"/>
+                        </a:rPr>
+                        <a:t>张三</a:t>
+                      </a:r>
+                      <a:endParaRPr lang="zh-CN" altLang="en-US"/>
+                    </a:p>
+                  </a:txBody>
+                  <a:tcPr anchor="ctr" anchorCtr="0">
+                    <a:solidFill>
+                      <a:schemeClr val="accent1">
+                        <a:lumMod val="20000"/>
+                        <a:lumOff val="80000"/>
+                      </a:schemeClr>
+                    </a:solidFill>
+                  </a:tcPr>
+                </a:tc>
+                <a:tc>
+                  <a:txBody>
+                    <a:bodyPr/>
+                    <a:p>
+                      <a:pPr algn="ctr">
+                        <a:buNone/>
+                      </a:pPr>
+                      <a:r>
+                        <a:rPr lang="en-US" altLang="zh-CN"/>
+                        <a:t>10</a:t>
+                      </a:r>
+                      <a:endParaRPr lang="en-US" altLang="zh-CN"/>
+                    </a:p>
+                  </a:txBody>
+                  <a:tcPr anchor="ctr" anchorCtr="0">
+                    <a:solidFill>
+                      <a:schemeClr val="accent1">
+                        <a:lumMod val="20000"/>
+                        <a:lumOff val="80000"/>
+                      </a:schemeClr>
+                    </a:solidFill>
+                  </a:tcPr>
+                </a:tc>
+                <a:tc>
+                  <a:txBody>
+                    <a:bodyPr/>
+                    <a:p>
+                      <a:pPr algn="ctr">
+                        <a:buNone/>
+                      </a:pPr>
+                      <a:r>
+                        <a:rPr lang="zh-CN" altLang="en-US" sz="1800">
+                          <a:sym typeface="+mn-ea"/>
+                        </a:rPr>
+                        <a:t>……</a:t>
+                      </a:r>
+                      <a:endParaRPr lang="zh-CN" altLang="en-US"/>
+                    </a:p>
+                  </a:txBody>
+                  <a:tcPr anchor="ctr" anchorCtr="0">
+                    <a:solidFill>
+                      <a:schemeClr val="accent1">
+                        <a:lumMod val="20000"/>
+                        <a:lumOff val="80000"/>
+                      </a:schemeClr>
+                    </a:solidFill>
+                  </a:tcPr>
+                </a:tc>
+                <a:tc>
+                  <a:txBody>
+                    <a:bodyPr/>
+                    <a:p>
+                      <a:pPr algn="ctr">
+                        <a:buNone/>
+                      </a:pPr>
+                      <a:r>
+                        <a:rPr lang="zh-CN" altLang="en-US" sz="1800">
+                          <a:sym typeface="+mn-ea"/>
+                        </a:rPr>
+                        <a:t>……</a:t>
+                      </a:r>
+                      <a:endParaRPr lang="zh-CN" altLang="en-US"/>
+                    </a:p>
+                  </a:txBody>
+                  <a:tcPr anchor="ctr" anchorCtr="0">
+                    <a:solidFill>
+                      <a:schemeClr val="accent1">
+                        <a:lumMod val="20000"/>
+                        <a:lumOff val="80000"/>
+                      </a:schemeClr>
+                    </a:solidFill>
+                  </a:tcPr>
+                </a:tc>
+              </a:tr>
+              <a:tr h="381000">
+                <a:tc>
+                  <a:txBody>
+                    <a:bodyPr/>
+                    <a:p>
+                      <a:pPr algn="ctr">
+                        <a:buNone/>
+                      </a:pPr>
+                      <a:r>
+                        <a:rPr lang="en-US" altLang="zh-CN"/>
+                        <a:t>id3</a:t>
+                      </a:r>
+                      <a:endParaRPr lang="en-US" altLang="zh-CN"/>
+                    </a:p>
+                  </a:txBody>
+                  <a:tcPr anchor="ctr" anchorCtr="0">
+                    <a:solidFill>
+                      <a:schemeClr val="accent1">
+                        <a:lumMod val="20000"/>
+                        <a:lumOff val="80000"/>
+                      </a:schemeClr>
+                    </a:solidFill>
+                  </a:tcPr>
+                </a:tc>
+                <a:tc>
+                  <a:txBody>
+                    <a:bodyPr/>
+                    <a:p>
+                      <a:pPr algn="ctr">
+                        <a:buNone/>
+                      </a:pPr>
+                      <a:r>
+                        <a:rPr lang="zh-CN" altLang="en-US"/>
+                        <a:t>张六</a:t>
+                      </a:r>
+                      <a:endParaRPr lang="zh-CN" altLang="en-US"/>
+                    </a:p>
+                  </a:txBody>
+                  <a:tcPr anchor="ctr" anchorCtr="0">
+                    <a:solidFill>
+                      <a:schemeClr val="accent1">
+                        <a:lumMod val="20000"/>
+                        <a:lumOff val="80000"/>
+                      </a:schemeClr>
+                    </a:solidFill>
+                  </a:tcPr>
+                </a:tc>
+                <a:tc>
+                  <a:txBody>
+                    <a:bodyPr/>
+                    <a:p>
+                      <a:pPr algn="ctr">
+                        <a:buNone/>
+                      </a:pPr>
+                      <a:r>
+                        <a:rPr lang="en-US" altLang="zh-CN"/>
+                        <a:t>30</a:t>
+                      </a:r>
+                      <a:endParaRPr lang="en-US" altLang="zh-CN"/>
+                    </a:p>
+                  </a:txBody>
+                  <a:tcPr anchor="ctr" anchorCtr="0">
+                    <a:solidFill>
+                      <a:schemeClr val="accent1">
+                        <a:lumMod val="20000"/>
+                        <a:lumOff val="80000"/>
+                      </a:schemeClr>
+                    </a:solidFill>
+                  </a:tcPr>
+                </a:tc>
+                <a:tc>
+                  <a:txBody>
+                    <a:bodyPr/>
+                    <a:p>
+                      <a:pPr algn="ctr">
+                        <a:buNone/>
+                      </a:pPr>
+                      <a:r>
+                        <a:rPr lang="zh-CN" altLang="en-US" sz="1800">
+                          <a:sym typeface="+mn-ea"/>
+                        </a:rPr>
+                        <a:t>……</a:t>
+                      </a:r>
+                      <a:endParaRPr lang="zh-CN" altLang="en-US"/>
+                    </a:p>
+                  </a:txBody>
+                  <a:tcPr anchor="ctr" anchorCtr="0">
+                    <a:solidFill>
+                      <a:schemeClr val="accent1">
+                        <a:lumMod val="20000"/>
+                        <a:lumOff val="80000"/>
+                      </a:schemeClr>
+                    </a:solidFill>
+                  </a:tcPr>
+                </a:tc>
+                <a:tc>
+                  <a:txBody>
+                    <a:bodyPr/>
+                    <a:p>
+                      <a:pPr algn="ctr">
+                        <a:buNone/>
+                      </a:pPr>
+                      <a:r>
+                        <a:rPr lang="zh-CN" altLang="en-US" sz="1800">
+                          <a:sym typeface="+mn-ea"/>
+                        </a:rPr>
+                        <a:t>……</a:t>
+                      </a:r>
+                      <a:endParaRPr lang="zh-CN" altLang="en-US"/>
+                    </a:p>
+                  </a:txBody>
+                  <a:tcPr anchor="ctr" anchorCtr="0">
+                    <a:solidFill>
+                      <a:schemeClr val="accent1">
+                        <a:lumMod val="20000"/>
+                        <a:lumOff val="80000"/>
+                      </a:schemeClr>
+                    </a:solidFill>
+                  </a:tcPr>
+                </a:tc>
+              </a:tr>
+              <a:tr h="381000">
+                <a:tc>
+                  <a:txBody>
+                    <a:bodyPr/>
+                    <a:p>
+                      <a:pPr algn="ctr">
+                        <a:buNone/>
+                      </a:pPr>
+                      <a:r>
+                        <a:rPr lang="en-US" altLang="zh-CN"/>
+                        <a:t>id6</a:t>
+                      </a:r>
+                      <a:endParaRPr lang="en-US" altLang="zh-CN"/>
+                    </a:p>
+                  </a:txBody>
+                  <a:tcPr anchor="ctr" anchorCtr="0">
+                    <a:solidFill>
+                      <a:schemeClr val="accent1">
+                        <a:lumMod val="20000"/>
+                        <a:lumOff val="80000"/>
+                      </a:schemeClr>
+                    </a:solidFill>
+                  </a:tcPr>
+                </a:tc>
+                <a:tc>
+                  <a:txBody>
+                    <a:bodyPr/>
+                    <a:p>
+                      <a:pPr algn="ctr">
+                        <a:buNone/>
+                      </a:pPr>
+                      <a:r>
+                        <a:rPr lang="zh-CN" altLang="en-US" sz="1800">
+                          <a:sym typeface="+mn-ea"/>
+                        </a:rPr>
+                        <a:t>张三</a:t>
+                      </a:r>
+                      <a:endParaRPr lang="zh-CN" altLang="en-US"/>
+                    </a:p>
+                  </a:txBody>
+                  <a:tcPr anchor="ctr" anchorCtr="0">
+                    <a:solidFill>
+                      <a:schemeClr val="accent1">
+                        <a:lumMod val="20000"/>
+                        <a:lumOff val="80000"/>
+                      </a:schemeClr>
+                    </a:solidFill>
+                  </a:tcPr>
+                </a:tc>
+                <a:tc>
+                  <a:txBody>
+                    <a:bodyPr/>
+                    <a:p>
+                      <a:pPr algn="ctr">
+                        <a:buNone/>
+                      </a:pPr>
+                      <a:r>
+                        <a:rPr lang="en-US" altLang="zh-CN"/>
+                        <a:t>20</a:t>
+                      </a:r>
+                      <a:endParaRPr lang="en-US" altLang="zh-CN"/>
+                    </a:p>
+                  </a:txBody>
+                  <a:tcPr anchor="ctr" anchorCtr="0">
+                    <a:solidFill>
+                      <a:schemeClr val="accent1">
+                        <a:lumMod val="20000"/>
+                        <a:lumOff val="80000"/>
+                      </a:schemeClr>
+                    </a:solidFill>
+                  </a:tcPr>
+                </a:tc>
+                <a:tc>
+                  <a:txBody>
+                    <a:bodyPr/>
+                    <a:p>
+                      <a:pPr algn="ctr">
+                        <a:buNone/>
+                      </a:pPr>
+                      <a:r>
+                        <a:rPr lang="zh-CN" altLang="en-US" sz="1800">
+                          <a:sym typeface="+mn-ea"/>
+                        </a:rPr>
+                        <a:t>……</a:t>
+                      </a:r>
+                      <a:endParaRPr lang="zh-CN" altLang="en-US"/>
+                    </a:p>
+                  </a:txBody>
+                  <a:tcPr anchor="ctr" anchorCtr="0">
+                    <a:solidFill>
+                      <a:schemeClr val="accent1">
+                        <a:lumMod val="20000"/>
+                        <a:lumOff val="80000"/>
+                      </a:schemeClr>
+                    </a:solidFill>
+                  </a:tcPr>
+                </a:tc>
+                <a:tc>
+                  <a:txBody>
+                    <a:bodyPr/>
+                    <a:p>
+                      <a:pPr algn="ctr">
+                        <a:buNone/>
+                      </a:pPr>
+                      <a:r>
+                        <a:rPr lang="zh-CN" altLang="en-US" sz="1800">
+                          <a:sym typeface="+mn-ea"/>
+                        </a:rPr>
+                        <a:t>……</a:t>
+                      </a:r>
+                      <a:endParaRPr lang="zh-CN" altLang="en-US"/>
+                    </a:p>
+                  </a:txBody>
+                  <a:tcPr anchor="ctr" anchorCtr="0">
+                    <a:solidFill>
+                      <a:schemeClr val="accent1">
+                        <a:lumMod val="20000"/>
+                        <a:lumOff val="80000"/>
+                      </a:schemeClr>
+                    </a:solidFill>
+                  </a:tcPr>
+                </a:tc>
+              </a:tr>
+            </a:tbl>
+          </a:graphicData>
+        </a:graphic>
+      </p:graphicFrame>
+      <p:sp>
+        <p:nvSpPr>
+          <p:cNvPr id="9" name="文本框 8"/>
+          <p:cNvSpPr txBox="1"/>
+          <p:nvPr/>
+        </p:nvSpPr>
+        <p:spPr>
+          <a:xfrm>
+            <a:off x="6710045" y="2108200"/>
+            <a:ext cx="1097280" cy="368300"/>
+          </a:xfrm>
+          <a:prstGeom prst="rect">
+            <a:avLst/>
+          </a:prstGeom>
+          <a:noFill/>
+        </p:spPr>
+        <p:txBody>
+          <a:bodyPr wrap="none" rtlCol="0">
+            <a:spAutoFit/>
+          </a:bodyPr>
+          <a:p>
+            <a:r>
+              <a:rPr lang="zh-CN" altLang="en-US"/>
+              <a:t>主键索引</a:t>
+            </a:r>
+            <a:endParaRPr lang="zh-CN" altLang="en-US"/>
+          </a:p>
+        </p:txBody>
+      </p:sp>
     </p:spTree>
   </p:cSld>
   <p:clrMapOvr>
@@ -31802,6 +33132,24 @@
 </p:tagLst>
 </file>
 
+<file path=ppt/tags/tag92.xml><?xml version="1.0" encoding="utf-8"?>
+<p:tagLst xmlns:p="http://schemas.openxmlformats.org/presentationml/2006/main">
+  <p:tag name="KSO_WM_UNIT_TABLE_BEAUTIFY" val="smartTable{10ea50f0-4188-4604-a1f2-e83ee624d665}"/>
+</p:tagLst>
+</file>
+
+<file path=ppt/tags/tag93.xml><?xml version="1.0" encoding="utf-8"?>
+<p:tagLst xmlns:p="http://schemas.openxmlformats.org/presentationml/2006/main">
+  <p:tag name="KSO_WM_UNIT_TABLE_BEAUTIFY" val="smartTable{7cc0aaaa-7ccb-476d-aa5e-157b40443b93}"/>
+</p:tagLst>
+</file>
+
+<file path=ppt/tags/tag94.xml><?xml version="1.0" encoding="utf-8"?>
+<p:tagLst xmlns:p="http://schemas.openxmlformats.org/presentationml/2006/main">
+  <p:tag name="KSO_WM_UNIT_TABLE_BEAUTIFY" val="smartTable{50c5e1fc-a6c7-49c6-830c-4094d741ae16}"/>
+</p:tagLst>
+</file>
+
 <file path=ppt/theme/theme1.xml><?xml version="1.0" encoding="utf-8"?>
 <a:theme xmlns:a="http://schemas.openxmlformats.org/drawingml/2006/main" name="Office 主题">
   <a:themeElements>

--- a/MySQL/images/MySQL画图.pptx
+++ b/MySQL/images/MySQL画图.pptx
@@ -12200,7 +12200,7 @@
                       </a:pPr>
                       <a:r>
                         <a:rPr lang="en-US" altLang="zh-CN"/>
-                        <a:t>0</a:t>
+                        <a:t>1</a:t>
                       </a:r>
                       <a:endParaRPr lang="en-US" altLang="zh-CN"/>
                     </a:p>
@@ -12323,7 +12323,7 @@
                       </a:pPr>
                       <a:r>
                         <a:rPr lang="en-US" altLang="zh-CN"/>
-                        <a:t>0</a:t>
+                        <a:t>1</a:t>
                       </a:r>
                       <a:endParaRPr lang="en-US" altLang="zh-CN"/>
                     </a:p>
@@ -12446,7 +12446,7 @@
                       </a:pPr>
                       <a:r>
                         <a:rPr lang="en-US" altLang="zh-CN"/>
-                        <a:t>0</a:t>
+                        <a:t>1</a:t>
                       </a:r>
                       <a:endParaRPr lang="en-US" altLang="zh-CN"/>
                     </a:p>
@@ -12921,7 +12921,7 @@
                       </a:pPr>
                       <a:r>
                         <a:rPr lang="en-US" altLang="zh-CN"/>
-                        <a:t>0</a:t>
+                        <a:t>1</a:t>
                       </a:r>
                       <a:endParaRPr lang="en-US" altLang="zh-CN"/>
                     </a:p>
@@ -13044,7 +13044,7 @@
                       </a:pPr>
                       <a:r>
                         <a:rPr lang="en-US" altLang="zh-CN"/>
-                        <a:t>0</a:t>
+                        <a:t>1</a:t>
                       </a:r>
                       <a:endParaRPr lang="en-US" altLang="zh-CN"/>
                     </a:p>
@@ -13485,7 +13485,7 @@
                       </a:pPr>
                       <a:r>
                         <a:rPr lang="en-US" altLang="zh-CN"/>
-                        <a:t>0</a:t>
+                        <a:t>1</a:t>
                       </a:r>
                       <a:endParaRPr lang="en-US" altLang="zh-CN"/>
                     </a:p>
@@ -13608,7 +13608,7 @@
                       </a:pPr>
                       <a:r>
                         <a:rPr lang="en-US" altLang="zh-CN"/>
-                        <a:t>0</a:t>
+                        <a:t>1</a:t>
                       </a:r>
                       <a:endParaRPr lang="en-US" altLang="zh-CN"/>
                     </a:p>
@@ -14628,19 +14628,7 @@
                         <a:rPr lang="en-US" altLang="zh-CN" sz="1800">
                           <a:sym typeface="+mn-ea"/>
                         </a:rPr>
-                        <a:t>“</a:t>
-                      </a:r>
-                      <a:r>
-                        <a:rPr lang="en-US" altLang="zh-CN" sz="1800">
-                          <a:sym typeface="+mn-ea"/>
-                        </a:rPr>
-                        <a:t>zhang</a:t>
-                      </a:r>
-                      <a:r>
-                        <a:rPr lang="en-US" altLang="zh-CN" sz="1800">
-                          <a:sym typeface="+mn-ea"/>
-                        </a:rPr>
-                        <a:t>”</a:t>
+                        <a:t>“zhang”</a:t>
                       </a:r>
                       <a:endParaRPr lang="zh-CN" altLang="en-US"/>
                     </a:p>
